--- a/STS3022 Soft Skills/reference materials/teams/Probability 1 (1).pptx
+++ b/STS3022 Soft Skills/reference materials/teams/Probability 1 (1).pptx
@@ -1324,7 +1324,17 @@
             </a:pPr>
             <a:r>
               <a:rPr lang="en-IN" dirty="0"/>
-              <a:t>A blue ball </a:t>
+              <a:t>A blue ball (7C1) </a:t>
+            </a:r>
+            <a:r>
+              <a:rPr lang="en-IN" dirty="0">
+                <a:sym typeface="Wingdings" pitchFamily="2" charset="2"/>
+              </a:rPr>
+              <a:t> 7</a:t>
+            </a:r>
+            <a:r>
+              <a:rPr lang="en-IN" dirty="0"/>
+              <a:t> </a:t>
             </a:r>
             <a:r>
               <a:rPr lang="en-IN" dirty="0">
@@ -3008,18 +3018,18 @@
               </a:rPr>
             </a:br>
             <a:r>
-              <a:rPr lang="en-IN">
+              <a:rPr lang="en-IN" dirty="0">
                 <a:sym typeface="Wingdings" pitchFamily="2" charset="2"/>
               </a:rPr>
               <a:t>From these 12 cards, pick 1  12C1  12</a:t>
             </a:r>
             <a:br>
-              <a:rPr lang="en-IN">
+              <a:rPr lang="en-IN" dirty="0">
                 <a:sym typeface="Wingdings" pitchFamily="2" charset="2"/>
               </a:rPr>
             </a:br>
             <a:r>
-              <a:rPr lang="en-IN">
+              <a:rPr lang="en-IN" dirty="0">
                 <a:sym typeface="Wingdings" pitchFamily="2" charset="2"/>
               </a:rPr>
               <a:t>then 12/52  3/13</a:t>
